--- a/2024-2025/Wyk/Wyklad4.pptx
+++ b/2024-2025/Wyk/Wyklad4.pptx
@@ -293,7 +293,7 @@
           <a:p>
             <a:fld id="{5113504E-0C99-2340-A5F6-DD6E1A87C372}" type="datetimeFigureOut">
               <a:rPr lang="pl-PL" smtClean="0"/>
-              <a:t>08.07.2024</a:t>
+              <a:t>10.10.2024</a:t>
             </a:fld>
             <a:endParaRPr lang="pl-PL"/>
           </a:p>
@@ -459,7 +459,7 @@
           <a:p>
             <a:fld id="{F78C933E-44E9-2D43-91B0-0D2BEEFA7EB9}" type="datetimeFigureOut">
               <a:rPr lang="pl-PL" smtClean="0"/>
-              <a:t>08.07.2024</a:t>
+              <a:t>10.10.2024</a:t>
             </a:fld>
             <a:endParaRPr lang="pl-PL"/>
           </a:p>
@@ -2817,7 +2817,7 @@
           <a:p>
             <a:fld id="{91017B01-0C30-B241-B19F-621BE4770608}" type="datetimeFigureOut">
               <a:rPr lang="pl-PL" smtClean="0"/>
-              <a:t>08.07.2024</a:t>
+              <a:t>10.10.2024</a:t>
             </a:fld>
             <a:endParaRPr lang="pl-PL"/>
           </a:p>
@@ -2986,7 +2986,7 @@
           <a:p>
             <a:fld id="{91017B01-0C30-B241-B19F-621BE4770608}" type="datetimeFigureOut">
               <a:rPr lang="pl-PL" smtClean="0"/>
-              <a:t>08.07.2024</a:t>
+              <a:t>10.10.2024</a:t>
             </a:fld>
             <a:endParaRPr lang="pl-PL"/>
           </a:p>
@@ -3165,7 +3165,7 @@
           <a:p>
             <a:fld id="{91017B01-0C30-B241-B19F-621BE4770608}" type="datetimeFigureOut">
               <a:rPr lang="pl-PL" smtClean="0"/>
-              <a:t>08.07.2024</a:t>
+              <a:t>10.10.2024</a:t>
             </a:fld>
             <a:endParaRPr lang="pl-PL"/>
           </a:p>
@@ -3334,7 +3334,7 @@
           <a:p>
             <a:fld id="{91017B01-0C30-B241-B19F-621BE4770608}" type="datetimeFigureOut">
               <a:rPr lang="pl-PL" smtClean="0"/>
-              <a:t>08.07.2024</a:t>
+              <a:t>10.10.2024</a:t>
             </a:fld>
             <a:endParaRPr lang="pl-PL"/>
           </a:p>
@@ -3580,7 +3580,7 @@
           <a:p>
             <a:fld id="{91017B01-0C30-B241-B19F-621BE4770608}" type="datetimeFigureOut">
               <a:rPr lang="pl-PL" smtClean="0"/>
-              <a:t>08.07.2024</a:t>
+              <a:t>10.10.2024</a:t>
             </a:fld>
             <a:endParaRPr lang="pl-PL"/>
           </a:p>
@@ -3866,7 +3866,7 @@
           <a:p>
             <a:fld id="{91017B01-0C30-B241-B19F-621BE4770608}" type="datetimeFigureOut">
               <a:rPr lang="pl-PL" smtClean="0"/>
-              <a:t>08.07.2024</a:t>
+              <a:t>10.10.2024</a:t>
             </a:fld>
             <a:endParaRPr lang="pl-PL"/>
           </a:p>
@@ -4286,7 +4286,7 @@
           <a:p>
             <a:fld id="{91017B01-0C30-B241-B19F-621BE4770608}" type="datetimeFigureOut">
               <a:rPr lang="pl-PL" smtClean="0"/>
-              <a:t>08.07.2024</a:t>
+              <a:t>10.10.2024</a:t>
             </a:fld>
             <a:endParaRPr lang="pl-PL"/>
           </a:p>
@@ -4404,7 +4404,7 @@
           <a:p>
             <a:fld id="{91017B01-0C30-B241-B19F-621BE4770608}" type="datetimeFigureOut">
               <a:rPr lang="pl-PL" smtClean="0"/>
-              <a:t>08.07.2024</a:t>
+              <a:t>10.10.2024</a:t>
             </a:fld>
             <a:endParaRPr lang="pl-PL"/>
           </a:p>
@@ -4500,7 +4500,7 @@
           <a:p>
             <a:fld id="{91017B01-0C30-B241-B19F-621BE4770608}" type="datetimeFigureOut">
               <a:rPr lang="pl-PL" smtClean="0"/>
-              <a:t>08.07.2024</a:t>
+              <a:t>10.10.2024</a:t>
             </a:fld>
             <a:endParaRPr lang="pl-PL"/>
           </a:p>
@@ -4777,7 +4777,7 @@
           <a:p>
             <a:fld id="{91017B01-0C30-B241-B19F-621BE4770608}" type="datetimeFigureOut">
               <a:rPr lang="pl-PL" smtClean="0"/>
-              <a:t>08.07.2024</a:t>
+              <a:t>10.10.2024</a:t>
             </a:fld>
             <a:endParaRPr lang="pl-PL"/>
           </a:p>
@@ -5033,7 +5033,7 @@
           <a:p>
             <a:fld id="{91017B01-0C30-B241-B19F-621BE4770608}" type="datetimeFigureOut">
               <a:rPr lang="pl-PL" smtClean="0"/>
-              <a:t>08.07.2024</a:t>
+              <a:t>10.10.2024</a:t>
             </a:fld>
             <a:endParaRPr lang="pl-PL"/>
           </a:p>
@@ -5245,7 +5245,7 @@
           <a:p>
             <a:fld id="{91017B01-0C30-B241-B19F-621BE4770608}" type="datetimeFigureOut">
               <a:rPr lang="pl-PL" smtClean="0"/>
-              <a:t>08.07.2024</a:t>
+              <a:t>10.10.2024</a:t>
             </a:fld>
             <a:endParaRPr lang="pl-PL"/>
           </a:p>
@@ -5733,13 +5733,18 @@
           <a:p>
             <a:pPr algn="ctr"/>
             <a:r>
-              <a:rPr lang="pl-PL" sz="2400" dirty="0">
+              <a:rPr lang="pl-PL" sz="2400">
                 <a:solidFill>
                   <a:schemeClr val="bg1"/>
                 </a:solidFill>
               </a:rPr>
-              <a:t>WYKŁAD 5</a:t>
-            </a:r>
+              <a:t>WYKŁAD 4</a:t>
+            </a:r>
+            <a:endParaRPr lang="pl-PL" sz="2400" dirty="0">
+              <a:solidFill>
+                <a:schemeClr val="bg1"/>
+              </a:solidFill>
+            </a:endParaRPr>
           </a:p>
           <a:p>
             <a:pPr algn="ctr"/>
